--- a/Program_TwoLegRigidBody/TwoLegRigidModel.pptx
+++ b/Program_TwoLegRigidBody/TwoLegRigidModel.pptx
@@ -267,7 +267,7 @@
           <a:p>
             <a:fld id="{2EA3AB7E-5AEC-4AB5-A9C7-571AD30800DF}" type="datetimeFigureOut">
               <a:rPr kumimoji="1" lang="ja-JP" altLang="en-US" smtClean="0"/>
-              <a:t>2020/6/22</a:t>
+              <a:t>2021/12/13</a:t>
             </a:fld>
             <a:endParaRPr kumimoji="1" lang="ja-JP" altLang="en-US"/>
           </a:p>
@@ -497,7 +497,7 @@
           <a:p>
             <a:fld id="{2EA3AB7E-5AEC-4AB5-A9C7-571AD30800DF}" type="datetimeFigureOut">
               <a:rPr kumimoji="1" lang="ja-JP" altLang="en-US" smtClean="0"/>
-              <a:t>2020/6/22</a:t>
+              <a:t>2021/12/13</a:t>
             </a:fld>
             <a:endParaRPr kumimoji="1" lang="ja-JP" altLang="en-US"/>
           </a:p>
@@ -737,7 +737,7 @@
           <a:p>
             <a:fld id="{2EA3AB7E-5AEC-4AB5-A9C7-571AD30800DF}" type="datetimeFigureOut">
               <a:rPr kumimoji="1" lang="ja-JP" altLang="en-US" smtClean="0"/>
-              <a:t>2020/6/22</a:t>
+              <a:t>2021/12/13</a:t>
             </a:fld>
             <a:endParaRPr kumimoji="1" lang="ja-JP" altLang="en-US"/>
           </a:p>
@@ -967,7 +967,7 @@
           <a:p>
             <a:fld id="{2EA3AB7E-5AEC-4AB5-A9C7-571AD30800DF}" type="datetimeFigureOut">
               <a:rPr kumimoji="1" lang="ja-JP" altLang="en-US" smtClean="0"/>
-              <a:t>2020/6/22</a:t>
+              <a:t>2021/12/13</a:t>
             </a:fld>
             <a:endParaRPr kumimoji="1" lang="ja-JP" altLang="en-US"/>
           </a:p>
@@ -1242,7 +1242,7 @@
           <a:p>
             <a:fld id="{2EA3AB7E-5AEC-4AB5-A9C7-571AD30800DF}" type="datetimeFigureOut">
               <a:rPr kumimoji="1" lang="ja-JP" altLang="en-US" smtClean="0"/>
-              <a:t>2020/6/22</a:t>
+              <a:t>2021/12/13</a:t>
             </a:fld>
             <a:endParaRPr kumimoji="1" lang="ja-JP" altLang="en-US"/>
           </a:p>
@@ -1571,7 +1571,7 @@
           <a:p>
             <a:fld id="{2EA3AB7E-5AEC-4AB5-A9C7-571AD30800DF}" type="datetimeFigureOut">
               <a:rPr kumimoji="1" lang="ja-JP" altLang="en-US" smtClean="0"/>
-              <a:t>2020/6/22</a:t>
+              <a:t>2021/12/13</a:t>
             </a:fld>
             <a:endParaRPr kumimoji="1" lang="ja-JP" altLang="en-US"/>
           </a:p>
@@ -2047,7 +2047,7 @@
           <a:p>
             <a:fld id="{2EA3AB7E-5AEC-4AB5-A9C7-571AD30800DF}" type="datetimeFigureOut">
               <a:rPr kumimoji="1" lang="ja-JP" altLang="en-US" smtClean="0"/>
-              <a:t>2020/6/22</a:t>
+              <a:t>2021/12/13</a:t>
             </a:fld>
             <a:endParaRPr kumimoji="1" lang="ja-JP" altLang="en-US"/>
           </a:p>
@@ -2188,7 +2188,7 @@
           <a:p>
             <a:fld id="{2EA3AB7E-5AEC-4AB5-A9C7-571AD30800DF}" type="datetimeFigureOut">
               <a:rPr kumimoji="1" lang="ja-JP" altLang="en-US" smtClean="0"/>
-              <a:t>2020/6/22</a:t>
+              <a:t>2021/12/13</a:t>
             </a:fld>
             <a:endParaRPr kumimoji="1" lang="ja-JP" altLang="en-US"/>
           </a:p>
@@ -2301,7 +2301,7 @@
           <a:p>
             <a:fld id="{2EA3AB7E-5AEC-4AB5-A9C7-571AD30800DF}" type="datetimeFigureOut">
               <a:rPr kumimoji="1" lang="ja-JP" altLang="en-US" smtClean="0"/>
-              <a:t>2020/6/22</a:t>
+              <a:t>2021/12/13</a:t>
             </a:fld>
             <a:endParaRPr kumimoji="1" lang="ja-JP" altLang="en-US"/>
           </a:p>
@@ -2644,7 +2644,7 @@
           <a:p>
             <a:fld id="{2EA3AB7E-5AEC-4AB5-A9C7-571AD30800DF}" type="datetimeFigureOut">
               <a:rPr kumimoji="1" lang="ja-JP" altLang="en-US" smtClean="0"/>
-              <a:t>2020/6/22</a:t>
+              <a:t>2021/12/13</a:t>
             </a:fld>
             <a:endParaRPr kumimoji="1" lang="ja-JP" altLang="en-US"/>
           </a:p>
@@ -2932,7 +2932,7 @@
           <a:p>
             <a:fld id="{2EA3AB7E-5AEC-4AB5-A9C7-571AD30800DF}" type="datetimeFigureOut">
               <a:rPr kumimoji="1" lang="ja-JP" altLang="en-US" smtClean="0"/>
-              <a:t>2020/6/22</a:t>
+              <a:t>2021/12/13</a:t>
             </a:fld>
             <a:endParaRPr kumimoji="1" lang="ja-JP" altLang="en-US"/>
           </a:p>
@@ -3205,7 +3205,7 @@
           <a:p>
             <a:fld id="{2EA3AB7E-5AEC-4AB5-A9C7-571AD30800DF}" type="datetimeFigureOut">
               <a:rPr kumimoji="1" lang="ja-JP" altLang="en-US" smtClean="0"/>
-              <a:t>2020/6/22</a:t>
+              <a:t>2021/12/13</a:t>
             </a:fld>
             <a:endParaRPr kumimoji="1" lang="ja-JP" altLang="en-US"/>
           </a:p>
@@ -7477,7 +7477,7 @@
         <p:spPr>
           <a:xfrm>
             <a:off x="606752" y="3212122"/>
-            <a:ext cx="9860392" cy="2308324"/>
+            <a:ext cx="9860392" cy="1754326"/>
           </a:xfrm>
           <a:prstGeom prst="rect">
             <a:avLst/>
@@ -7489,28 +7489,6 @@
             <a:spAutoFit/>
           </a:bodyPr>
           <a:lstStyle/>
-          <a:p>
-            <a:pPr marL="285750" indent="-285750">
-              <a:buFont typeface="Arial" panose="020B0604020202020204" pitchFamily="34" charset="0"/>
-              <a:buChar char="•"/>
-            </a:pPr>
-            <a:r>
-              <a:rPr kumimoji="1" lang="en-US" altLang="ja-JP" dirty="0" err="1"/>
-              <a:t>init</a:t>
-            </a:r>
-            <a:r>
-              <a:rPr kumimoji="1" lang="en-US" altLang="ja-JP" dirty="0"/>
-              <a:t>()</a:t>
-            </a:r>
-            <a:br>
-              <a:rPr kumimoji="1" lang="en-US" altLang="ja-JP" dirty="0"/>
-            </a:br>
-            <a:r>
-              <a:rPr kumimoji="1" lang="ja-JP" altLang="en-US" dirty="0"/>
-              <a:t>計算結果を保存しておく配列の中身をリセット．</a:t>
-            </a:r>
-            <a:endParaRPr kumimoji="1" lang="en-US" altLang="ja-JP" dirty="0"/>
-          </a:p>
           <a:p>
             <a:pPr marL="285750" indent="-285750">
               <a:buFont typeface="Arial" panose="020B0604020202020204" pitchFamily="34" charset="0"/>
